--- a/g2/CSharpAdvanced - Class2/CSAdvanded-Class2.pptx
+++ b/g2/CSharpAdvanced - Class2/CSAdvanded-Class2.pptx
@@ -16,7 +16,6 @@
     <p:sldId id="259" r:id="rId10"/>
     <p:sldId id="266" r:id="rId11"/>
     <p:sldId id="272" r:id="rId12"/>
-    <p:sldId id="263" r:id="rId13"/>
   </p:sldIdLst>
   <p:sldSz cx="12192000" cy="6858000"/>
   <p:notesSz cx="6858000" cy="9144000"/>
@@ -8285,146 +8284,6 @@
 </p:sld>
 </file>
 
-<file path=ppt/slides/slide12.xml><?xml version="1.0" encoding="utf-8"?>
-<p:sld xmlns:a="http://schemas.openxmlformats.org/drawingml/2006/main" xmlns:r="http://schemas.openxmlformats.org/officeDocument/2006/relationships" xmlns:p="http://schemas.openxmlformats.org/presentationml/2006/main">
-  <p:cSld>
-    <p:spTree>
-      <p:nvGrpSpPr>
-        <p:cNvPr id="1" name=""/>
-        <p:cNvGrpSpPr/>
-        <p:nvPr/>
-      </p:nvGrpSpPr>
-      <p:grpSpPr>
-        <a:xfrm>
-          <a:off x="0" y="0"/>
-          <a:ext cx="0" cy="0"/>
-          <a:chOff x="0" y="0"/>
-          <a:chExt cx="0" cy="0"/>
-        </a:xfrm>
-      </p:grpSpPr>
-      <p:sp>
-        <p:nvSpPr>
-          <p:cNvPr id="2" name="Title 1"/>
-          <p:cNvSpPr>
-            <a:spLocks noGrp="1"/>
-          </p:cNvSpPr>
-          <p:nvPr>
-            <p:ph type="title"/>
-          </p:nvPr>
-        </p:nvSpPr>
-        <p:spPr>
-          <a:xfrm>
-            <a:off x="1765904" y="609600"/>
-            <a:ext cx="7508097" cy="733425"/>
-          </a:xfrm>
-        </p:spPr>
-        <p:txBody>
-          <a:bodyPr/>
-          <a:lstStyle/>
-          <a:p>
-            <a:r>
-              <a:rPr lang="en-US" dirty="0" smtClean="0"/>
-              <a:t>Garbage collector  - Info</a:t>
-            </a:r>
-            <a:endParaRPr lang="en-US" dirty="0"/>
-          </a:p>
-        </p:txBody>
-      </p:sp>
-      <p:sp>
-        <p:nvSpPr>
-          <p:cNvPr id="3" name="Content Placeholder 2"/>
-          <p:cNvSpPr>
-            <a:spLocks noGrp="1"/>
-          </p:cNvSpPr>
-          <p:nvPr>
-            <p:ph idx="1"/>
-          </p:nvPr>
-        </p:nvSpPr>
-        <p:spPr>
-          <a:xfrm>
-            <a:off x="1765904" y="1586865"/>
-            <a:ext cx="8596668" cy="4698337"/>
-          </a:xfrm>
-        </p:spPr>
-        <p:txBody>
-          <a:bodyPr/>
-          <a:lstStyle/>
-          <a:p>
-            <a:r>
-              <a:rPr lang="en-US" dirty="0"/>
-              <a:t>When objects are created they occupy some memory. As memory is a limited resource, it is important that once the objects are no longer required, they are cleaned up and their memory is reclaimed. The .NET framework uses a system of garbage collection to perform this activity automatically so that the developer does not need to control this directly</a:t>
-            </a:r>
-            <a:r>
-              <a:rPr lang="en-US" dirty="0" smtClean="0"/>
-              <a:t>.</a:t>
-            </a:r>
-          </a:p>
-          <a:p>
-            <a:endParaRPr lang="en-US" dirty="0"/>
-          </a:p>
-        </p:txBody>
-      </p:sp>
-      <p:pic>
-        <p:nvPicPr>
-          <p:cNvPr id="4" name="Picture 6" descr="ÐÐ¾Ð²ÑÐ·Ð°Ð½Ð° ÑÐ»Ð¸ÐºÐ°"/>
-          <p:cNvPicPr>
-            <a:picLocks noChangeAspect="1" noChangeArrowheads="1"/>
-          </p:cNvPicPr>
-          <p:nvPr/>
-        </p:nvPicPr>
-        <p:blipFill>
-          <a:blip r:embed="rId2">
-            <a:extLst>
-              <a:ext uri="{28A0092B-C50C-407E-A947-70E740481C1C}">
-                <a14:useLocalDpi xmlns:a14="http://schemas.microsoft.com/office/drawing/2010/main" val="0"/>
-              </a:ext>
-            </a:extLst>
-          </a:blip>
-          <a:srcRect/>
-          <a:stretch>
-            <a:fillRect/>
-          </a:stretch>
-        </p:blipFill>
-        <p:spPr bwMode="auto">
-          <a:xfrm>
-            <a:off x="3537229" y="3164665"/>
-            <a:ext cx="5736772" cy="3226934"/>
-          </a:xfrm>
-          <a:prstGeom prst="rect">
-            <a:avLst/>
-          </a:prstGeom>
-          <a:noFill/>
-          <a:extLst>
-            <a:ext uri="{909E8E84-426E-40DD-AFC4-6F175D3DCCD1}">
-              <a14:hiddenFill xmlns:a14="http://schemas.microsoft.com/office/drawing/2010/main">
-                <a:solidFill>
-                  <a:srgbClr val="FFFFFF"/>
-                </a:solidFill>
-              </a14:hiddenFill>
-            </a:ext>
-          </a:extLst>
-        </p:spPr>
-      </p:pic>
-    </p:spTree>
-    <p:extLst>
-      <p:ext uri="{BB962C8B-B14F-4D97-AF65-F5344CB8AC3E}">
-        <p14:creationId xmlns:p14="http://schemas.microsoft.com/office/powerpoint/2010/main" val="2455646231"/>
-      </p:ext>
-    </p:extLst>
-  </p:cSld>
-  <p:clrMapOvr>
-    <a:masterClrMapping/>
-  </p:clrMapOvr>
-  <p:timing>
-    <p:tnLst>
-      <p:par>
-        <p:cTn id="1" dur="indefinite" restart="never" nodeType="tmRoot"/>
-      </p:par>
-    </p:tnLst>
-  </p:timing>
-</p:sld>
-</file>
-
 <file path=ppt/slides/slide2.xml><?xml version="1.0" encoding="utf-8"?>
 <p:sld xmlns:a="http://schemas.openxmlformats.org/drawingml/2006/main" xmlns:r="http://schemas.openxmlformats.org/officeDocument/2006/relationships" xmlns:p="http://schemas.openxmlformats.org/presentationml/2006/main">
   <p:cSld>
